--- a/TravisCI_ppt.pptx
+++ b/TravisCI_ppt.pptx
@@ -7081,7 +7081,7 @@
           <p:nvPr>
             <p:extLst>
               <p:ext uri="{D42A27DB-BD31-4B8C-83A1-F6EECF244321}">
-                <p14:modId xmlns:p14="http://schemas.microsoft.com/office/powerpoint/2010/main" val="61542302"/>
+                <p14:modId xmlns:p14="http://schemas.microsoft.com/office/powerpoint/2010/main" val="2795035917"/>
               </p:ext>
             </p:extLst>
           </p:nvPr>
@@ -7258,25 +7258,7 @@
                           </a:solidFill>
                           <a:effectLst/>
                         </a:rPr>
-                        <a:t>fully Hosted with </a:t>
-                      </a:r>
-                      <a:r>
-                        <a:rPr lang="en-US" dirty="0" err="1">
-                          <a:solidFill>
-                            <a:srgbClr val="002060"/>
-                          </a:solidFill>
-                          <a:effectLst/>
-                        </a:rPr>
-                        <a:t>github</a:t>
-                      </a:r>
-                      <a:r>
-                        <a:rPr lang="en-US" dirty="0">
-                          <a:solidFill>
-                            <a:srgbClr val="002060"/>
-                          </a:solidFill>
-                          <a:effectLst/>
-                        </a:rPr>
-                        <a:t> integration</a:t>
+                        <a:t>fully Hosted with GitHub integration</a:t>
                       </a:r>
                     </a:p>
                   </a:txBody>
@@ -8232,15 +8214,7 @@
             </a:r>
             <a:r>
               <a:rPr lang="en-US" dirty="0"/>
-              <a:t> we can put on a website or in our readme of </a:t>
-            </a:r>
-            <a:r>
-              <a:rPr lang="en-US" dirty="0" err="1"/>
-              <a:t>github</a:t>
-            </a:r>
-            <a:r>
-              <a:rPr lang="en-US" dirty="0"/>
-              <a:t> to show whether the build is passing or not. </a:t>
+              <a:t> we can put on a website or in our readme of GitHub to show whether the build is passing or not. </a:t>
             </a:r>
           </a:p>
           <a:p>
@@ -8516,7 +8490,7 @@
               </a:rPr>
             </a:br>
             <a:r>
-              <a:rPr lang="en-US" dirty="0">
+              <a:rPr lang="en-US" sz="3600" dirty="0">
                 <a:solidFill>
                   <a:schemeClr val="tx1"/>
                 </a:solidFill>
@@ -8774,7 +8748,7 @@
               </a:rPr>
             </a:br>
             <a:r>
-              <a:rPr lang="en-US" dirty="0">
+              <a:rPr lang="en-US" sz="3600" dirty="0">
                 <a:solidFill>
                   <a:schemeClr val="tx1"/>
                 </a:solidFill>
@@ -8782,7 +8756,7 @@
               <a:t>a hosted, distributed continuous integration service used to build and test software projects hosted at </a:t>
             </a:r>
             <a:r>
-              <a:rPr lang="en-US" u="sng" dirty="0">
+              <a:rPr lang="en-US" sz="3600" u="sng" dirty="0">
                 <a:solidFill>
                   <a:schemeClr val="tx1"/>
                 </a:solidFill>
@@ -8790,7 +8764,7 @@
               <a:t>GitHub</a:t>
             </a:r>
             <a:r>
-              <a:rPr lang="en-US" dirty="0">
+              <a:rPr lang="en-US" sz="3600" dirty="0">
                 <a:solidFill>
                   <a:schemeClr val="tx1"/>
                 </a:solidFill>
@@ -9056,7 +9030,7 @@
               </a:rPr>
             </a:br>
             <a:r>
-              <a:rPr lang="en-US" dirty="0">
+              <a:rPr lang="en-US" sz="3600" dirty="0">
                 <a:solidFill>
                   <a:schemeClr val="tx1"/>
                 </a:solidFill>
@@ -9064,14 +9038,14 @@
               <a:t>- Monitor GitHub projects</a:t>
             </a:r>
             <a:br>
-              <a:rPr lang="en-US" dirty="0">
+              <a:rPr lang="en-US" sz="3600" dirty="0">
                 <a:solidFill>
                   <a:schemeClr val="tx1"/>
                 </a:solidFill>
               </a:rPr>
             </a:br>
             <a:r>
-              <a:rPr lang="en-US" dirty="0">
+              <a:rPr lang="en-US" sz="3600" dirty="0">
                 <a:solidFill>
                   <a:schemeClr val="tx1"/>
                 </a:solidFill>
@@ -9079,14 +9053,14 @@
               <a:t>- Run Tests</a:t>
             </a:r>
             <a:br>
-              <a:rPr lang="en-US" dirty="0">
+              <a:rPr lang="en-US" sz="3600" dirty="0">
                 <a:solidFill>
                   <a:schemeClr val="tx1"/>
                 </a:solidFill>
               </a:rPr>
             </a:br>
             <a:r>
-              <a:rPr lang="en-US" dirty="0">
+              <a:rPr lang="en-US" sz="3600" dirty="0">
                 <a:solidFill>
                   <a:schemeClr val="tx1"/>
                 </a:solidFill>
@@ -9094,14 +9068,14 @@
               <a:t>- Provide feedback</a:t>
             </a:r>
             <a:br>
-              <a:rPr lang="en-US" dirty="0">
+              <a:rPr lang="en-US" sz="3600" dirty="0">
                 <a:solidFill>
                   <a:schemeClr val="tx1"/>
                 </a:solidFill>
               </a:rPr>
             </a:br>
             <a:r>
-              <a:rPr lang="en-US" dirty="0">
+              <a:rPr lang="en-US" sz="3600" dirty="0">
                 <a:solidFill>
                   <a:schemeClr val="tx1"/>
                 </a:solidFill>
@@ -9109,14 +9083,14 @@
               <a:t>- Build artefacts</a:t>
             </a:r>
             <a:br>
-              <a:rPr lang="en-US" dirty="0">
+              <a:rPr lang="en-US" sz="3600" dirty="0">
                 <a:solidFill>
                   <a:schemeClr val="tx1"/>
                 </a:solidFill>
               </a:rPr>
             </a:br>
             <a:r>
-              <a:rPr lang="en-US" dirty="0">
+              <a:rPr lang="en-US" sz="3600" dirty="0">
                 <a:solidFill>
                   <a:schemeClr val="tx1"/>
                 </a:solidFill>
@@ -9124,14 +9098,14 @@
               <a:t>- Check code quality</a:t>
             </a:r>
             <a:br>
-              <a:rPr lang="en-US" dirty="0">
+              <a:rPr lang="en-US" sz="3600" dirty="0">
                 <a:solidFill>
                   <a:schemeClr val="tx1"/>
                 </a:solidFill>
               </a:rPr>
             </a:br>
             <a:r>
-              <a:rPr lang="en-US" dirty="0">
+              <a:rPr lang="en-US" sz="3600" dirty="0">
                 <a:solidFill>
                   <a:schemeClr val="tx1"/>
                 </a:solidFill>
